--- a/WebFrameworks.pptx
+++ b/WebFrameworks.pptx
@@ -5,7 +5,7 @@
     <p:sldMasterId id="2147483659" r:id="rId1"/>
   </p:sldMasterIdLst>
   <p:notesMasterIdLst>
-    <p:notesMasterId r:id="rId12"/>
+    <p:notesMasterId r:id="rId13"/>
   </p:notesMasterIdLst>
   <p:sldIdLst>
     <p:sldId id="256" r:id="rId2"/>
@@ -17,30 +17,31 @@
     <p:sldId id="262" r:id="rId8"/>
     <p:sldId id="263" r:id="rId9"/>
     <p:sldId id="264" r:id="rId10"/>
-    <p:sldId id="265" r:id="rId11"/>
+    <p:sldId id="266" r:id="rId11"/>
+    <p:sldId id="265" r:id="rId12"/>
   </p:sldIdLst>
   <p:sldSz cx="9144000" cy="6858000" type="screen4x3"/>
   <p:notesSz cx="6858000" cy="9144000"/>
   <p:embeddedFontLst>
     <p:embeddedFont>
       <p:font typeface="Cambria" panose="02040503050406030204" pitchFamily="18" charset="0"/>
-      <p:regular r:id="rId13"/>
-      <p:bold r:id="rId14"/>
-      <p:italic r:id="rId15"/>
-      <p:boldItalic r:id="rId16"/>
+      <p:regular r:id="rId14"/>
+      <p:bold r:id="rId15"/>
+      <p:italic r:id="rId16"/>
+      <p:boldItalic r:id="rId17"/>
     </p:embeddedFont>
     <p:embeddedFont>
       <p:font typeface="Calibri" panose="020F0502020204030204" pitchFamily="34" charset="0"/>
-      <p:regular r:id="rId17"/>
-      <p:bold r:id="rId18"/>
-      <p:italic r:id="rId19"/>
-      <p:boldItalic r:id="rId20"/>
+      <p:regular r:id="rId18"/>
+      <p:bold r:id="rId19"/>
+      <p:italic r:id="rId20"/>
+      <p:boldItalic r:id="rId21"/>
     </p:embeddedFont>
     <p:embeddedFont>
       <p:font typeface="Libre Baskerville" panose="020B0604020202020204" charset="0"/>
-      <p:regular r:id="rId21"/>
-      <p:bold r:id="rId22"/>
-      <p:italic r:id="rId23"/>
+      <p:regular r:id="rId22"/>
+      <p:bold r:id="rId23"/>
+      <p:italic r:id="rId24"/>
     </p:embeddedFont>
   </p:embeddedFontLst>
   <p:defaultTextStyle>
@@ -11756,6 +11757,115 @@
   <p:cSld>
     <p:spTree>
       <p:nvGrpSpPr>
+        <p:cNvPr id="1" name=""/>
+        <p:cNvGrpSpPr/>
+        <p:nvPr/>
+      </p:nvGrpSpPr>
+      <p:grpSpPr>
+        <a:xfrm>
+          <a:off x="0" y="0"/>
+          <a:ext cx="0" cy="0"/>
+          <a:chOff x="0" y="0"/>
+          <a:chExt cx="0" cy="0"/>
+        </a:xfrm>
+      </p:grpSpPr>
+      <p:sp>
+        <p:nvSpPr>
+          <p:cNvPr id="2" name="Title 1"/>
+          <p:cNvSpPr>
+            <a:spLocks noGrp="1"/>
+          </p:cNvSpPr>
+          <p:nvPr>
+            <p:ph type="title"/>
+          </p:nvPr>
+        </p:nvSpPr>
+        <p:spPr>
+          <a:xfrm>
+            <a:off x="634621" y="1066208"/>
+            <a:ext cx="7620000" cy="1143000"/>
+          </a:xfrm>
+        </p:spPr>
+        <p:txBody>
+          <a:bodyPr/>
+          <a:lstStyle/>
+          <a:p>
+            <a:r>
+              <a:rPr lang="en-US" dirty="0" smtClean="0"/>
+              <a:t>GITHUB REPOSITORY LINK:</a:t>
+            </a:r>
+            <a:endParaRPr lang="en-US" dirty="0"/>
+          </a:p>
+        </p:txBody>
+      </p:sp>
+      <p:sp>
+        <p:nvSpPr>
+          <p:cNvPr id="3" name="Text Placeholder 2"/>
+          <p:cNvSpPr>
+            <a:spLocks noGrp="1"/>
+          </p:cNvSpPr>
+          <p:nvPr>
+            <p:ph type="body" idx="1"/>
+          </p:nvPr>
+        </p:nvSpPr>
+        <p:spPr>
+          <a:xfrm>
+            <a:off x="634621" y="3220871"/>
+            <a:ext cx="7620000" cy="1282889"/>
+          </a:xfrm>
+        </p:spPr>
+        <p:txBody>
+          <a:bodyPr/>
+          <a:lstStyle/>
+          <a:p>
+            <a:pPr marL="114300" indent="0" algn="ctr">
+              <a:buNone/>
+            </a:pPr>
+            <a:r>
+              <a:rPr lang="en-US" sz="2500" dirty="0" smtClean="0">
+                <a:solidFill>
+                  <a:schemeClr val="tx1"/>
+                </a:solidFill>
+                <a:hlinkClick r:id="rId2"/>
+              </a:rPr>
+              <a:t>https</a:t>
+            </a:r>
+            <a:r>
+              <a:rPr lang="en-US" sz="2500" dirty="0">
+                <a:solidFill>
+                  <a:schemeClr val="tx1"/>
+                </a:solidFill>
+                <a:hlinkClick r:id="rId2"/>
+              </a:rPr>
+              <a:t>://github.com/harikrishnanv1311/WebFrameworks</a:t>
+            </a:r>
+            <a:endParaRPr lang="en-US" sz="2500" dirty="0">
+              <a:solidFill>
+                <a:schemeClr val="tx1"/>
+              </a:solidFill>
+              <a:latin typeface="Cambria" panose="02040503050406030204" pitchFamily="18" charset="0"/>
+              <a:ea typeface="Cambria" panose="02040503050406030204" pitchFamily="18" charset="0"/>
+            </a:endParaRPr>
+          </a:p>
+        </p:txBody>
+      </p:sp>
+    </p:spTree>
+    <p:extLst>
+      <p:ext uri="{BB962C8B-B14F-4D97-AF65-F5344CB8AC3E}">
+        <p14:creationId xmlns:p14="http://schemas.microsoft.com/office/powerpoint/2010/main" val="754284032"/>
+      </p:ext>
+    </p:extLst>
+  </p:cSld>
+  <p:clrMapOvr>
+    <a:masterClrMapping/>
+  </p:clrMapOvr>
+</p:sld>
+</file>
+
+<file path=ppt/slides/slide11.xml><?xml version="1.0" encoding="utf-8"?>
+<p:sld xmlns:a="http://schemas.openxmlformats.org/drawingml/2006/main" xmlns:r="http://schemas.openxmlformats.org/officeDocument/2006/relationships" xmlns:p="http://schemas.openxmlformats.org/presentationml/2006/main">
+  <p:cSld>
+    <p:spTree>
+      <p:nvGrpSpPr>
         <p:cNvPr id="1" name="Shape 142"/>
         <p:cNvGrpSpPr/>
         <p:nvPr/>
@@ -12950,16 +13060,7 @@
                 <a:cs typeface="Libre Baskerville"/>
                 <a:sym typeface="Libre Baskerville"/>
               </a:rPr>
-              <a:t>Hari</a:t>
-            </a:r>
-            <a:r>
-              <a:rPr lang="en-US" dirty="0" err="1" smtClean="0">
-                <a:latin typeface="Libre Baskerville"/>
-                <a:ea typeface="Libre Baskerville"/>
-                <a:cs typeface="Libre Baskerville"/>
-                <a:sym typeface="Libre Baskerville"/>
-              </a:rPr>
-              <a:t>krishnan</a:t>
+              <a:t>Harikrishnan</a:t>
             </a:r>
             <a:r>
               <a:rPr lang="en-US" dirty="0" smtClean="0">
@@ -12997,12 +13098,6 @@
               </a:rPr>
               <a:t>Index page, vote results page(by using necessary database retrievals) and the required CSS, Views and Models.</a:t>
             </a:r>
-            <a:endParaRPr lang="en-US" sz="2200" dirty="0" smtClean="0">
-              <a:latin typeface="Libre Baskerville"/>
-              <a:ea typeface="Libre Baskerville"/>
-              <a:cs typeface="Libre Baskerville"/>
-              <a:sym typeface="Libre Baskerville"/>
-            </a:endParaRPr>
           </a:p>
           <a:p>
             <a:pPr marL="114300" lvl="0" indent="0" algn="l" rtl="0">
@@ -13836,10 +13931,10 @@
               <a:buNone/>
             </a:pPr>
             <a:r>
-              <a:rPr lang="en-US"/>
+              <a:rPr lang="en-US" dirty="0"/>
               <a:t>Difficulties we faced …</a:t>
             </a:r>
-            <a:endParaRPr/>
+            <a:endParaRPr dirty="0"/>
           </a:p>
         </p:txBody>
       </p:sp>

--- a/WebFrameworks.pptx
+++ b/WebFrameworks.pptx
@@ -11809,7 +11809,7 @@
         </p:nvSpPr>
         <p:spPr>
           <a:xfrm>
-            <a:off x="634621" y="3220871"/>
+            <a:off x="498143" y="3343701"/>
             <a:ext cx="7620000" cy="1282889"/>
           </a:xfrm>
         </p:spPr>
@@ -11821,24 +11821,17 @@
               <a:buNone/>
             </a:pPr>
             <a:r>
-              <a:rPr lang="en-US" sz="2500" dirty="0" smtClean="0">
+              <a:rPr lang="en-US" sz="4000" dirty="0" smtClean="0">
                 <a:solidFill>
                   <a:schemeClr val="tx1"/>
                 </a:solidFill>
+                <a:latin typeface="Cambria" panose="02040503050406030204" pitchFamily="18" charset="0"/>
+                <a:ea typeface="Cambria" panose="02040503050406030204" pitchFamily="18" charset="0"/>
                 <a:hlinkClick r:id="rId2"/>
               </a:rPr>
-              <a:t>https</a:t>
+              <a:t>Click Here!</a:t>
             </a:r>
-            <a:r>
-              <a:rPr lang="en-US" sz="2500" dirty="0">
-                <a:solidFill>
-                  <a:schemeClr val="tx1"/>
-                </a:solidFill>
-                <a:hlinkClick r:id="rId2"/>
-              </a:rPr>
-              <a:t>://github.com/harikrishnanv1311/WebFrameworks</a:t>
-            </a:r>
-            <a:endParaRPr lang="en-US" sz="2500" dirty="0">
+            <a:endParaRPr lang="en-US" sz="4000" dirty="0">
               <a:solidFill>
                 <a:schemeClr val="tx1"/>
               </a:solidFill>
@@ -11858,6 +11851,13 @@
   <p:clrMapOvr>
     <a:masterClrMapping/>
   </p:clrMapOvr>
+  <p:timing>
+    <p:tnLst>
+      <p:par>
+        <p:cTn id="1" dur="indefinite" restart="never" nodeType="tmRoot"/>
+      </p:par>
+    </p:tnLst>
+  </p:timing>
 </p:sld>
 </file>
 
@@ -12634,7 +12634,7 @@
         </p:nvSpPr>
         <p:spPr>
           <a:xfrm>
-            <a:off x="1191607" y="3140968"/>
+            <a:off x="1191607" y="2963547"/>
             <a:ext cx="6097488" cy="1143000"/>
           </a:xfrm>
           <a:prstGeom prst="rect">
@@ -12668,18 +12668,19 @@
             <a:r>
               <a:rPr lang="en-US" sz="4600" dirty="0" smtClean="0">
                 <a:solidFill>
-                  <a:srgbClr val="0070C0"/>
+                  <a:srgbClr val="00B0F0"/>
                 </a:solidFill>
                 <a:latin typeface="Cambria"/>
                 <a:ea typeface="Cambria"/>
                 <a:cs typeface="Cambria"/>
                 <a:sym typeface="Cambria"/>
+                <a:hlinkClick r:id="rId4" action="ppaction://hlinkfile"/>
               </a:rPr>
               <a:t>Click Here!</a:t>
             </a:r>
             <a:endParaRPr sz="4600" b="0" i="0" u="none" strike="noStrike" cap="none" dirty="0">
               <a:solidFill>
-                <a:srgbClr val="0070C0"/>
+                <a:srgbClr val="00B0F0"/>
               </a:solidFill>
               <a:latin typeface="Cambria"/>
               <a:ea typeface="Cambria"/>
